--- a/docs/Kubernetes Cluster Architecture.pptx
+++ b/docs/Kubernetes Cluster Architecture.pptx
@@ -1520,11 +1520,7 @@
               <a:spcAft>
                 <a:spcPts val="0"/>
               </a:spcAft>
-              <a:buClr>
-                <a:schemeClr val="dk1"/>
-              </a:buClr>
               <a:buSzPts val="1100"/>
-              <a:buFont typeface="Arial"/>
               <a:buNone/>
             </a:pPr>
             <a:r>
@@ -1536,14 +1532,34 @@
               </a:rPr>
               <a:t>I started this project with a very specific set of constraints, and those constraints drove almost every design decision — especially around identity and access.</a:t>
             </a:r>
-            <a:br>
-              <a:rPr lang="en-US" sz="1100">
-                <a:latin typeface="Arial"/>
-                <a:ea typeface="Arial"/>
-                <a:cs typeface="Arial"/>
-                <a:sym typeface="Arial"/>
-              </a:rPr>
-            </a:br>
+            <a:endParaRPr sz="1100">
+              <a:latin typeface="Arial"/>
+              <a:ea typeface="Arial"/>
+              <a:cs typeface="Arial"/>
+              <a:sym typeface="Arial"/>
+            </a:endParaRPr>
+          </a:p>
+          <a:p>
+            <a:pPr indent="0" lvl="0" marL="0" rtl="0" algn="l">
+              <a:lnSpc>
+                <a:spcPct val="115000"/>
+              </a:lnSpc>
+              <a:spcBef>
+                <a:spcPts val="0"/>
+              </a:spcBef>
+              <a:spcAft>
+                <a:spcPts val="0"/>
+              </a:spcAft>
+              <a:buClr>
+                <a:schemeClr val="dk1"/>
+              </a:buClr>
+              <a:buSzPts val="1100"/>
+              <a:buFont typeface="Arial"/>
+              <a:buNone/>
+            </a:pPr>
+            <a:r>
+              <a:t/>
+            </a:r>
             <a:endParaRPr sz="1100">
               <a:latin typeface="Arial"/>
               <a:ea typeface="Arial"/>
@@ -1608,22 +1624,171 @@
               </a:rPr>
               <a:t>This wasn’t just about getting something running. The solution needed to be reproducible, explainable, and easy to reason about — both from a security and an operational perspective. That focus on clarity and least privilege shaped the entire architecture.</a:t>
             </a:r>
-            <a:br>
+            <a:endParaRPr sz="1100">
+              <a:latin typeface="Arial"/>
+              <a:ea typeface="Arial"/>
+              <a:cs typeface="Arial"/>
+              <a:sym typeface="Arial"/>
+            </a:endParaRPr>
+          </a:p>
+          <a:p>
+            <a:pPr indent="0" lvl="0" marL="0" rtl="0" algn="l">
+              <a:lnSpc>
+                <a:spcPct val="115000"/>
+              </a:lnSpc>
+              <a:spcBef>
+                <a:spcPts val="0"/>
+              </a:spcBef>
+              <a:spcAft>
+                <a:spcPts val="0"/>
+              </a:spcAft>
+              <a:buClr>
+                <a:schemeClr val="dk1"/>
+              </a:buClr>
+              <a:buSzPts val="1100"/>
+              <a:buFont typeface="Arial"/>
+              <a:buNone/>
+            </a:pPr>
+            <a:r>
+              <a:t/>
+            </a:r>
+            <a:endParaRPr sz="1100">
+              <a:latin typeface="Arial"/>
+              <a:ea typeface="Arial"/>
+              <a:cs typeface="Arial"/>
+              <a:sym typeface="Arial"/>
+            </a:endParaRPr>
+          </a:p>
+          <a:p>
+            <a:pPr indent="0" lvl="0" marL="0" rtl="0" algn="l">
+              <a:lnSpc>
+                <a:spcPct val="115000"/>
+              </a:lnSpc>
+              <a:spcBef>
+                <a:spcPts val="0"/>
+              </a:spcBef>
+              <a:spcAft>
+                <a:spcPts val="0"/>
+              </a:spcAft>
+              <a:buSzPts val="1100"/>
+              <a:buNone/>
+            </a:pPr>
+            <a:r>
               <a:rPr lang="en-US" sz="1100">
                 <a:latin typeface="Arial"/>
                 <a:ea typeface="Arial"/>
                 <a:cs typeface="Arial"/>
                 <a:sym typeface="Arial"/>
               </a:rPr>
-            </a:br>
-            <a:br>
+              <a:t>To support reproducibility, I scripted the installation as much as possible, including standardizing host-level configuration like kernel and cgroup settings. The goal there wasn’t deep OS tuning, but reducing environmental drift and avoiding common kubeadm incompatibilities before they show up as problems later.</a:t>
+            </a:r>
+            <a:endParaRPr sz="1100">
+              <a:latin typeface="Arial"/>
+              <a:ea typeface="Arial"/>
+              <a:cs typeface="Arial"/>
+              <a:sym typeface="Arial"/>
+            </a:endParaRPr>
+          </a:p>
+          <a:p>
+            <a:pPr indent="0" lvl="0" marL="0" rtl="0" algn="l">
+              <a:lnSpc>
+                <a:spcPct val="115000"/>
+              </a:lnSpc>
+              <a:spcBef>
+                <a:spcPts val="0"/>
+              </a:spcBef>
+              <a:spcAft>
+                <a:spcPts val="0"/>
+              </a:spcAft>
+              <a:buClr>
+                <a:schemeClr val="dk1"/>
+              </a:buClr>
+              <a:buSzPts val="1100"/>
+              <a:buFont typeface="Arial"/>
+              <a:buNone/>
+            </a:pPr>
+            <a:r>
+              <a:t/>
+            </a:r>
+            <a:endParaRPr sz="1100">
+              <a:latin typeface="Arial"/>
+              <a:ea typeface="Arial"/>
+              <a:cs typeface="Arial"/>
+              <a:sym typeface="Arial"/>
+            </a:endParaRPr>
+          </a:p>
+          <a:p>
+            <a:pPr indent="0" lvl="0" marL="0" rtl="0" algn="l">
+              <a:lnSpc>
+                <a:spcPct val="115000"/>
+              </a:lnSpc>
+              <a:spcBef>
+                <a:spcPts val="0"/>
+              </a:spcBef>
+              <a:spcAft>
+                <a:spcPts val="0"/>
+              </a:spcAft>
+              <a:buSzPts val="1100"/>
+              <a:buNone/>
+            </a:pPr>
+            <a:r>
               <a:rPr lang="en-US" sz="1100">
                 <a:latin typeface="Arial"/>
                 <a:ea typeface="Arial"/>
                 <a:cs typeface="Arial"/>
                 <a:sym typeface="Arial"/>
               </a:rPr>
-            </a:br>
+              <a:t>I also made a few pragmatic enablement choices to keep the environment predictable. I used Kubernetes 1.29 for stability and ease of installation, cert-manager to automate certificate issuance, and a custom CA added to the node trust store to avoid self-signed certificate issues. MetalLB provides load balancer functionality, and the application itself is installed via Helm. For the purposes of the demo, IP addresses are fixed and mapped in /etc/hosts so the site works immediately without extra setup.</a:t>
+            </a:r>
+            <a:endParaRPr sz="1100">
+              <a:latin typeface="Arial"/>
+              <a:ea typeface="Arial"/>
+              <a:cs typeface="Arial"/>
+              <a:sym typeface="Arial"/>
+            </a:endParaRPr>
+          </a:p>
+          <a:p>
+            <a:pPr indent="0" lvl="0" marL="0" rtl="0" algn="l">
+              <a:lnSpc>
+                <a:spcPct val="115000"/>
+              </a:lnSpc>
+              <a:spcBef>
+                <a:spcPts val="0"/>
+              </a:spcBef>
+              <a:spcAft>
+                <a:spcPts val="0"/>
+              </a:spcAft>
+              <a:buClr>
+                <a:schemeClr val="dk1"/>
+              </a:buClr>
+              <a:buSzPts val="1100"/>
+              <a:buFont typeface="Arial"/>
+              <a:buNone/>
+            </a:pPr>
+            <a:r>
+              <a:t/>
+            </a:r>
+            <a:endParaRPr sz="1100">
+              <a:latin typeface="Arial"/>
+              <a:ea typeface="Arial"/>
+              <a:cs typeface="Arial"/>
+              <a:sym typeface="Arial"/>
+            </a:endParaRPr>
+          </a:p>
+          <a:p>
+            <a:pPr indent="0" lvl="0" marL="0" rtl="0" algn="l">
+              <a:lnSpc>
+                <a:spcPct val="115000"/>
+              </a:lnSpc>
+              <a:spcBef>
+                <a:spcPts val="0"/>
+              </a:spcBef>
+              <a:spcAft>
+                <a:spcPts val="0"/>
+              </a:spcAft>
+              <a:buSzPts val="1100"/>
+              <a:buNone/>
+            </a:pPr>
             <a:r>
               <a:rPr lang="en-US" sz="1100">
                 <a:latin typeface="Arial"/>
@@ -1631,108 +1796,9 @@
                 <a:cs typeface="Arial"/>
                 <a:sym typeface="Arial"/>
               </a:rPr>
-              <a:t>To support that goal of reproducibility, I also scripted the installation as much as possible. That includes standardizing the host configuration — things like kernel and cgroup settings — so the cluster behaves predictably and avoids common kubeadm incompatibilities.</a:t>
+              <a:t>With those foundations in place, I’ll walk through how the cluster is structured.</a:t>
             </a:r>
             <a:endParaRPr sz="1100">
-              <a:latin typeface="Arial"/>
-              <a:ea typeface="Arial"/>
-              <a:cs typeface="Arial"/>
-              <a:sym typeface="Arial"/>
-            </a:endParaRPr>
-          </a:p>
-          <a:p>
-            <a:pPr indent="0" lvl="0" marL="0" rtl="0" algn="l">
-              <a:lnSpc>
-                <a:spcPct val="115000"/>
-              </a:lnSpc>
-              <a:spcBef>
-                <a:spcPts val="0"/>
-              </a:spcBef>
-              <a:spcAft>
-                <a:spcPts val="0"/>
-              </a:spcAft>
-              <a:buClr>
-                <a:schemeClr val="dk1"/>
-              </a:buClr>
-              <a:buSzPts val="1100"/>
-              <a:buFont typeface="Arial"/>
-              <a:buNone/>
-            </a:pPr>
-            <a:r>
-              <a:rPr lang="en-US" sz="1100">
-                <a:latin typeface="Arial"/>
-                <a:ea typeface="Arial"/>
-                <a:cs typeface="Arial"/>
-                <a:sym typeface="Arial"/>
-              </a:rPr>
-              <a:t>The intent wasn’t deep OS tuning, but reducing environmental drift and eliminating an entire class of setup issues before they show up as problems later.</a:t>
-            </a:r>
-            <a:endParaRPr sz="1100">
-              <a:latin typeface="Arial"/>
-              <a:ea typeface="Arial"/>
-              <a:cs typeface="Arial"/>
-              <a:sym typeface="Arial"/>
-            </a:endParaRPr>
-          </a:p>
-          <a:p>
-            <a:pPr indent="0" lvl="0" marL="0" rtl="0" algn="l">
-              <a:lnSpc>
-                <a:spcPct val="115000"/>
-              </a:lnSpc>
-              <a:spcBef>
-                <a:spcPts val="0"/>
-              </a:spcBef>
-              <a:spcAft>
-                <a:spcPts val="0"/>
-              </a:spcAft>
-              <a:buClr>
-                <a:schemeClr val="dk1"/>
-              </a:buClr>
-              <a:buSzPts val="1100"/>
-              <a:buFont typeface="Arial"/>
-              <a:buNone/>
-            </a:pPr>
-            <a:br>
-              <a:rPr lang="en-US" sz="1100">
-                <a:latin typeface="Arial"/>
-                <a:ea typeface="Arial"/>
-                <a:cs typeface="Arial"/>
-                <a:sym typeface="Arial"/>
-              </a:rPr>
-            </a:br>
-            <a:r>
-              <a:rPr lang="en-US" sz="1100">
-                <a:latin typeface="Arial"/>
-                <a:ea typeface="Arial"/>
-                <a:cs typeface="Arial"/>
-                <a:sym typeface="Arial"/>
-              </a:rPr>
-              <a:t>Now I’ll walk through how the cluster is structured.</a:t>
-            </a:r>
-            <a:endParaRPr sz="1100">
-              <a:latin typeface="Arial"/>
-              <a:ea typeface="Arial"/>
-              <a:cs typeface="Arial"/>
-              <a:sym typeface="Arial"/>
-            </a:endParaRPr>
-          </a:p>
-          <a:p>
-            <a:pPr indent="0" lvl="0" marL="0" rtl="0" algn="l">
-              <a:spcBef>
-                <a:spcPts val="0"/>
-              </a:spcBef>
-              <a:spcAft>
-                <a:spcPts val="0"/>
-              </a:spcAft>
-              <a:buNone/>
-            </a:pPr>
-            <a:r>
-              <a:t/>
-            </a:r>
-            <a:endParaRPr sz="1100">
-              <a:solidFill>
-                <a:srgbClr val="FFFFFF"/>
-              </a:solidFill>
               <a:latin typeface="Arial"/>
               <a:ea typeface="Arial"/>
               <a:cs typeface="Arial"/>
@@ -6450,17 +6516,18 @@
           <p:cNvPicPr preferRelativeResize="0"/>
           <p:nvPr/>
         </p:nvPicPr>
-        <p:blipFill rotWithShape="1">
+        <p:blipFill>
           <a:blip r:embed="rId4">
             <a:alphaModFix/>
           </a:blip>
-          <a:srcRect b="7655" l="0" r="0" t="7663"/>
-          <a:stretch/>
+          <a:stretch>
+            <a:fillRect/>
+          </a:stretch>
         </p:blipFill>
         <p:spPr>
           <a:xfrm>
-            <a:off x="5000625" y="2023914"/>
-            <a:ext cx="3714750" cy="2095799"/>
+            <a:off x="5000625" y="1834337"/>
+            <a:ext cx="3714750" cy="2474952"/>
           </a:xfrm>
           <a:prstGeom prst="rect">
             <a:avLst/>
